--- a/GazimbaSpeech-rus.pptx
+++ b/GazimbaSpeech-rus.pptx
@@ -6,9 +6,12 @@
   </p:sldMasterIdLst>
   <p:sldIdLst>
     <p:sldId id="256" r:id="rId2"/>
-    <p:sldId id="257" r:id="rId3"/>
-    <p:sldId id="258" r:id="rId4"/>
-    <p:sldId id="259" r:id="rId5"/>
+    <p:sldId id="260" r:id="rId3"/>
+    <p:sldId id="261" r:id="rId4"/>
+    <p:sldId id="257" r:id="rId5"/>
+    <p:sldId id="258" r:id="rId6"/>
+    <p:sldId id="259" r:id="rId7"/>
+    <p:sldId id="262" r:id="rId8"/>
   </p:sldIdLst>
   <p:sldSz cx="9144000" cy="6858000" type="screen4x3"/>
   <p:notesSz cx="6858000" cy="9144000"/>
@@ -358,7 +361,7 @@
           <a:p>
             <a:fld id="{267B2675-7375-4150-A521-455A0B0C98E2}" type="datetimeFigureOut">
               <a:rPr lang="ru-RU" smtClean="0"/>
-              <a:t>15.04.2017</a:t>
+              <a:t>16.04.2017</a:t>
             </a:fld>
             <a:endParaRPr lang="ru-RU"/>
           </a:p>
@@ -465,6 +468,18 @@
   <p:clrMapOvr>
     <a:overrideClrMapping bg1="dk1" tx1="lt1" bg2="dk2" tx2="lt2" accent1="accent1" accent2="accent2" accent3="accent3" accent4="accent4" accent5="accent5" accent6="accent6" hlink="hlink" folHlink="folHlink"/>
   </p:clrMapOvr>
+  <mc:AlternateContent xmlns:mc="http://schemas.openxmlformats.org/markup-compatibility/2006">
+    <mc:Choice xmlns:p14="http://schemas.microsoft.com/office/powerpoint/2010/main" Requires="p14">
+      <p:transition spd="slow" p14:dur="3400">
+        <p14:reveal/>
+      </p:transition>
+    </mc:Choice>
+    <mc:Fallback>
+      <p:transition spd="slow">
+        <p:fade/>
+      </p:transition>
+    </mc:Fallback>
+  </mc:AlternateContent>
 </p:sldLayout>
 </file>
 
@@ -581,7 +596,7 @@
           <a:p>
             <a:fld id="{267B2675-7375-4150-A521-455A0B0C98E2}" type="datetimeFigureOut">
               <a:rPr lang="ru-RU" smtClean="0"/>
-              <a:t>15.04.2017</a:t>
+              <a:t>16.04.2017</a:t>
             </a:fld>
             <a:endParaRPr lang="ru-RU"/>
           </a:p>
@@ -634,6 +649,18 @@
   <p:clrMapOvr>
     <a:masterClrMapping/>
   </p:clrMapOvr>
+  <mc:AlternateContent xmlns:mc="http://schemas.openxmlformats.org/markup-compatibility/2006">
+    <mc:Choice xmlns:p14="http://schemas.microsoft.com/office/powerpoint/2010/main" Requires="p14">
+      <p:transition spd="slow" p14:dur="3400">
+        <p14:reveal/>
+      </p:transition>
+    </mc:Choice>
+    <mc:Fallback>
+      <p:transition spd="slow">
+        <p:fade/>
+      </p:transition>
+    </mc:Fallback>
+  </mc:AlternateContent>
 </p:sldLayout>
 </file>
 
@@ -861,7 +888,7 @@
           <a:p>
             <a:fld id="{267B2675-7375-4150-A521-455A0B0C98E2}" type="datetimeFigureOut">
               <a:rPr lang="ru-RU" smtClean="0"/>
-              <a:t>15.04.2017</a:t>
+              <a:t>16.04.2017</a:t>
             </a:fld>
             <a:endParaRPr lang="ru-RU"/>
           </a:p>
@@ -919,6 +946,18 @@
   <p:clrMapOvr>
     <a:masterClrMapping/>
   </p:clrMapOvr>
+  <mc:AlternateContent xmlns:mc="http://schemas.openxmlformats.org/markup-compatibility/2006">
+    <mc:Choice xmlns:p14="http://schemas.microsoft.com/office/powerpoint/2010/main" Requires="p14">
+      <p:transition spd="slow" p14:dur="3400">
+        <p14:reveal/>
+      </p:transition>
+    </mc:Choice>
+    <mc:Fallback>
+      <p:transition spd="slow">
+        <p:fade/>
+      </p:transition>
+    </mc:Fallback>
+  </mc:AlternateContent>
 </p:sldLayout>
 </file>
 
@@ -1040,7 +1079,7 @@
           <a:p>
             <a:fld id="{267B2675-7375-4150-A521-455A0B0C98E2}" type="datetimeFigureOut">
               <a:rPr lang="ru-RU" smtClean="0"/>
-              <a:t>15.04.2017</a:t>
+              <a:t>16.04.2017</a:t>
             </a:fld>
             <a:endParaRPr lang="ru-RU"/>
           </a:p>
@@ -1093,6 +1132,18 @@
   <p:clrMapOvr>
     <a:masterClrMapping/>
   </p:clrMapOvr>
+  <mc:AlternateContent xmlns:mc="http://schemas.openxmlformats.org/markup-compatibility/2006">
+    <mc:Choice xmlns:p14="http://schemas.microsoft.com/office/powerpoint/2010/main" Requires="p14">
+      <p:transition spd="slow" p14:dur="3400">
+        <p14:reveal/>
+      </p:transition>
+    </mc:Choice>
+    <mc:Fallback>
+      <p:transition spd="slow">
+        <p:fade/>
+      </p:transition>
+    </mc:Fallback>
+  </mc:AlternateContent>
 </p:sldLayout>
 </file>
 
@@ -1398,7 +1449,7 @@
           <a:p>
             <a:fld id="{267B2675-7375-4150-A521-455A0B0C98E2}" type="datetimeFigureOut">
               <a:rPr lang="ru-RU" smtClean="0"/>
-              <a:t>15.04.2017</a:t>
+              <a:t>16.04.2017</a:t>
             </a:fld>
             <a:endParaRPr lang="ru-RU"/>
           </a:p>
@@ -1451,6 +1502,18 @@
   <p:clrMapOvr>
     <a:overrideClrMapping bg1="dk1" tx1="lt1" bg2="dk2" tx2="lt2" accent1="accent1" accent2="accent2" accent3="accent3" accent4="accent4" accent5="accent5" accent6="accent6" hlink="hlink" folHlink="folHlink"/>
   </p:clrMapOvr>
+  <mc:AlternateContent xmlns:mc="http://schemas.openxmlformats.org/markup-compatibility/2006">
+    <mc:Choice xmlns:p14="http://schemas.microsoft.com/office/powerpoint/2010/main" Requires="p14">
+      <p:transition spd="slow" p14:dur="3400">
+        <p14:reveal/>
+      </p:transition>
+    </mc:Choice>
+    <mc:Fallback>
+      <p:transition spd="slow">
+        <p:fade/>
+      </p:transition>
+    </mc:Fallback>
+  </mc:AlternateContent>
 </p:sldLayout>
 </file>
 
@@ -1685,7 +1748,7 @@
           <a:p>
             <a:fld id="{267B2675-7375-4150-A521-455A0B0C98E2}" type="datetimeFigureOut">
               <a:rPr lang="ru-RU" smtClean="0"/>
-              <a:t>15.04.2017</a:t>
+              <a:t>16.04.2017</a:t>
             </a:fld>
             <a:endParaRPr lang="ru-RU"/>
           </a:p>
@@ -1738,6 +1801,18 @@
   <p:clrMapOvr>
     <a:masterClrMapping/>
   </p:clrMapOvr>
+  <mc:AlternateContent xmlns:mc="http://schemas.openxmlformats.org/markup-compatibility/2006">
+    <mc:Choice xmlns:p14="http://schemas.microsoft.com/office/powerpoint/2010/main" Requires="p14">
+      <p:transition spd="slow" p14:dur="3400">
+        <p14:reveal/>
+      </p:transition>
+    </mc:Choice>
+    <mc:Fallback>
+      <p:transition spd="slow">
+        <p:fade/>
+      </p:transition>
+    </mc:Fallback>
+  </mc:AlternateContent>
 </p:sldLayout>
 </file>
 
@@ -2107,7 +2182,7 @@
           <a:p>
             <a:fld id="{267B2675-7375-4150-A521-455A0B0C98E2}" type="datetimeFigureOut">
               <a:rPr lang="ru-RU" smtClean="0"/>
-              <a:t>15.04.2017</a:t>
+              <a:t>16.04.2017</a:t>
             </a:fld>
             <a:endParaRPr lang="ru-RU"/>
           </a:p>
@@ -2160,6 +2235,18 @@
   <p:clrMapOvr>
     <a:masterClrMapping/>
   </p:clrMapOvr>
+  <mc:AlternateContent xmlns:mc="http://schemas.openxmlformats.org/markup-compatibility/2006">
+    <mc:Choice xmlns:p14="http://schemas.microsoft.com/office/powerpoint/2010/main" Requires="p14">
+      <p:transition spd="slow" p14:dur="3400">
+        <p14:reveal/>
+      </p:transition>
+    </mc:Choice>
+    <mc:Fallback>
+      <p:transition spd="slow">
+        <p:fade/>
+      </p:transition>
+    </mc:Fallback>
+  </mc:AlternateContent>
 </p:sldLayout>
 </file>
 
@@ -2222,7 +2309,7 @@
           <a:p>
             <a:fld id="{267B2675-7375-4150-A521-455A0B0C98E2}" type="datetimeFigureOut">
               <a:rPr lang="ru-RU" smtClean="0"/>
-              <a:t>15.04.2017</a:t>
+              <a:t>16.04.2017</a:t>
             </a:fld>
             <a:endParaRPr lang="ru-RU"/>
           </a:p>
@@ -2275,6 +2362,18 @@
   <p:clrMapOvr>
     <a:masterClrMapping/>
   </p:clrMapOvr>
+  <mc:AlternateContent xmlns:mc="http://schemas.openxmlformats.org/markup-compatibility/2006">
+    <mc:Choice xmlns:p14="http://schemas.microsoft.com/office/powerpoint/2010/main" Requires="p14">
+      <p:transition spd="slow" p14:dur="3400">
+        <p14:reveal/>
+      </p:transition>
+    </mc:Choice>
+    <mc:Fallback>
+      <p:transition spd="slow">
+        <p:fade/>
+      </p:transition>
+    </mc:Fallback>
+  </mc:AlternateContent>
 </p:sldLayout>
 </file>
 
@@ -2312,7 +2411,7 @@
           <a:p>
             <a:fld id="{267B2675-7375-4150-A521-455A0B0C98E2}" type="datetimeFigureOut">
               <a:rPr lang="ru-RU" smtClean="0"/>
-              <a:t>15.04.2017</a:t>
+              <a:t>16.04.2017</a:t>
             </a:fld>
             <a:endParaRPr lang="ru-RU"/>
           </a:p>
@@ -2365,6 +2464,18 @@
   <p:clrMapOvr>
     <a:masterClrMapping/>
   </p:clrMapOvr>
+  <mc:AlternateContent xmlns:mc="http://schemas.openxmlformats.org/markup-compatibility/2006">
+    <mc:Choice xmlns:p14="http://schemas.microsoft.com/office/powerpoint/2010/main" Requires="p14">
+      <p:transition spd="slow" p14:dur="3400">
+        <p14:reveal/>
+      </p:transition>
+    </mc:Choice>
+    <mc:Fallback>
+      <p:transition spd="slow">
+        <p:fade/>
+      </p:transition>
+    </mc:Fallback>
+  </mc:AlternateContent>
 </p:sldLayout>
 </file>
 
@@ -2590,7 +2701,7 @@
           <a:p>
             <a:fld id="{267B2675-7375-4150-A521-455A0B0C98E2}" type="datetimeFigureOut">
               <a:rPr lang="ru-RU" smtClean="0"/>
-              <a:t>15.04.2017</a:t>
+              <a:t>16.04.2017</a:t>
             </a:fld>
             <a:endParaRPr lang="ru-RU"/>
           </a:p>
@@ -2737,6 +2848,18 @@
   <p:clrMapOvr>
     <a:masterClrMapping/>
   </p:clrMapOvr>
+  <mc:AlternateContent xmlns:mc="http://schemas.openxmlformats.org/markup-compatibility/2006">
+    <mc:Choice xmlns:p14="http://schemas.microsoft.com/office/powerpoint/2010/main" Requires="p14">
+      <p:transition spd="slow" p14:dur="3400">
+        <p14:reveal/>
+      </p:transition>
+    </mc:Choice>
+    <mc:Fallback>
+      <p:transition spd="slow">
+        <p:fade/>
+      </p:transition>
+    </mc:Fallback>
+  </mc:AlternateContent>
 </p:sldLayout>
 </file>
 
@@ -2956,7 +3079,7 @@
           <a:p>
             <a:fld id="{267B2675-7375-4150-A521-455A0B0C98E2}" type="datetimeFigureOut">
               <a:rPr lang="ru-RU" smtClean="0"/>
-              <a:t>15.04.2017</a:t>
+              <a:t>16.04.2017</a:t>
             </a:fld>
             <a:endParaRPr lang="ru-RU"/>
           </a:p>
@@ -3123,6 +3246,18 @@
   <p:clrMapOvr>
     <a:overrideClrMapping bg1="lt1" tx1="dk1" bg2="lt2" tx2="dk2" accent1="accent1" accent2="accent2" accent3="accent3" accent4="accent4" accent5="accent5" accent6="accent6" hlink="hlink" folHlink="folHlink"/>
   </p:clrMapOvr>
+  <mc:AlternateContent xmlns:mc="http://schemas.openxmlformats.org/markup-compatibility/2006">
+    <mc:Choice xmlns:p14="http://schemas.microsoft.com/office/powerpoint/2010/main" Requires="p14">
+      <p:transition spd="slow" p14:dur="3400">
+        <p14:reveal/>
+      </p:transition>
+    </mc:Choice>
+    <mc:Fallback>
+      <p:transition spd="slow">
+        <p:fade/>
+      </p:transition>
+    </mc:Fallback>
+  </mc:AlternateContent>
 </p:sldLayout>
 </file>
 
@@ -3393,7 +3528,7 @@
           <a:p>
             <a:fld id="{267B2675-7375-4150-A521-455A0B0C98E2}" type="datetimeFigureOut">
               <a:rPr lang="ru-RU" smtClean="0"/>
-              <a:t>15.04.2017</a:t>
+              <a:t>16.04.2017</a:t>
             </a:fld>
             <a:endParaRPr lang="ru-RU"/>
           </a:p>
@@ -3495,6 +3630,18 @@
     <p:sldLayoutId id="2147483670" r:id="rId10"/>
     <p:sldLayoutId id="2147483671" r:id="rId11"/>
   </p:sldLayoutIdLst>
+  <mc:AlternateContent xmlns:mc="http://schemas.openxmlformats.org/markup-compatibility/2006">
+    <mc:Choice xmlns:p14="http://schemas.microsoft.com/office/powerpoint/2010/main" Requires="p14">
+      <p:transition spd="slow" p14:dur="3400">
+        <p14:reveal/>
+      </p:transition>
+    </mc:Choice>
+    <mc:Fallback>
+      <p:transition spd="slow">
+        <p:fade/>
+      </p:transition>
+    </mc:Fallback>
+  </mc:AlternateContent>
   <p:txStyles>
     <p:titleStyle>
       <a:lvl1pPr algn="l" rtl="0" eaLnBrk="1" latinLnBrk="0" hangingPunct="1">
@@ -3862,10 +4009,417 @@
   <p:clrMapOvr>
     <a:masterClrMapping/>
   </p:clrMapOvr>
+  <mc:AlternateContent xmlns:mc="http://schemas.openxmlformats.org/markup-compatibility/2006">
+    <mc:Choice xmlns:p14="http://schemas.microsoft.com/office/powerpoint/2010/main" Requires="p14">
+      <p:transition spd="slow" p14:dur="3400">
+        <p14:reveal/>
+      </p:transition>
+    </mc:Choice>
+    <mc:Fallback>
+      <p:transition spd="slow">
+        <p:fade/>
+      </p:transition>
+    </mc:Fallback>
+  </mc:AlternateContent>
+  <p:timing>
+    <p:tnLst>
+      <p:par>
+        <p:cTn id="1" dur="indefinite" restart="never" nodeType="tmRoot"/>
+      </p:par>
+    </p:tnLst>
+  </p:timing>
 </p:sld>
 </file>
 
 <file path=ppt/slides/slide2.xml><?xml version="1.0" encoding="utf-8"?>
+<p:sld xmlns:a="http://schemas.openxmlformats.org/drawingml/2006/main" xmlns:r="http://schemas.openxmlformats.org/officeDocument/2006/relationships" xmlns:p="http://schemas.openxmlformats.org/presentationml/2006/main">
+  <p:cSld>
+    <p:spTree>
+      <p:nvGrpSpPr>
+        <p:cNvPr id="1" name=""/>
+        <p:cNvGrpSpPr/>
+        <p:nvPr/>
+      </p:nvGrpSpPr>
+      <p:grpSpPr>
+        <a:xfrm>
+          <a:off x="0" y="0"/>
+          <a:ext cx="0" cy="0"/>
+          <a:chOff x="0" y="0"/>
+          <a:chExt cx="0" cy="0"/>
+        </a:xfrm>
+      </p:grpSpPr>
+      <p:sp>
+        <p:nvSpPr>
+          <p:cNvPr id="2" name="Заголовок 1"/>
+          <p:cNvSpPr>
+            <a:spLocks noGrp="1"/>
+          </p:cNvSpPr>
+          <p:nvPr>
+            <p:ph type="title"/>
+          </p:nvPr>
+        </p:nvSpPr>
+        <p:spPr/>
+        <p:txBody>
+          <a:bodyPr/>
+          <a:lstStyle/>
+          <a:p>
+            <a:pPr algn="ctr"/>
+            <a:r>
+              <a:rPr lang="ru-RU" dirty="0" smtClean="0"/>
+              <a:t>Что это такое?</a:t>
+            </a:r>
+            <a:endParaRPr lang="ru-RU" dirty="0"/>
+          </a:p>
+        </p:txBody>
+      </p:sp>
+      <p:sp>
+        <p:nvSpPr>
+          <p:cNvPr id="3" name="Текст 2"/>
+          <p:cNvSpPr>
+            <a:spLocks noGrp="1"/>
+          </p:cNvSpPr>
+          <p:nvPr>
+            <p:ph type="body" idx="1"/>
+          </p:nvPr>
+        </p:nvSpPr>
+        <p:spPr>
+          <a:xfrm>
+            <a:off x="457200" y="1698987"/>
+            <a:ext cx="8291264" cy="715355"/>
+          </a:xfrm>
+        </p:spPr>
+        <p:txBody>
+          <a:bodyPr>
+            <a:normAutofit fontScale="92500" lnSpcReduction="10000"/>
+          </a:bodyPr>
+          <a:lstStyle/>
+          <a:p>
+            <a:r>
+              <a:rPr lang="ru-RU" dirty="0" smtClean="0">
+                <a:latin typeface="+mj-lt"/>
+                <a:cs typeface="Mangal" panose="02040503050203030202" pitchFamily="18" charset="0"/>
+              </a:rPr>
+              <a:t>Почти все, кто когда-либо использовали смартфоны, знают что такое </a:t>
+            </a:r>
+            <a:r>
+              <a:rPr lang="en-US" dirty="0" err="1" smtClean="0">
+                <a:latin typeface="Mangal" panose="02040503050203030202" pitchFamily="18" charset="0"/>
+                <a:cs typeface="Mangal" panose="02040503050203030202" pitchFamily="18" charset="0"/>
+              </a:rPr>
+              <a:t>siri</a:t>
+            </a:r>
+            <a:r>
+              <a:rPr lang="en-US" dirty="0" smtClean="0">
+                <a:latin typeface="Mangal" panose="02040503050203030202" pitchFamily="18" charset="0"/>
+                <a:cs typeface="Mangal" panose="02040503050203030202" pitchFamily="18" charset="0"/>
+              </a:rPr>
+              <a:t> </a:t>
+            </a:r>
+            <a:r>
+              <a:rPr lang="ru-RU" dirty="0" smtClean="0">
+                <a:latin typeface="+mj-lt"/>
+                <a:cs typeface="Mangal" panose="02040503050203030202" pitchFamily="18" charset="0"/>
+              </a:rPr>
+              <a:t>и </a:t>
+            </a:r>
+            <a:r>
+              <a:rPr lang="en-US" dirty="0" smtClean="0">
+                <a:latin typeface="Mangal" panose="02040503050203030202" pitchFamily="18" charset="0"/>
+                <a:cs typeface="Mangal" panose="02040503050203030202" pitchFamily="18" charset="0"/>
+              </a:rPr>
+              <a:t>google assistant</a:t>
+            </a:r>
+            <a:endParaRPr lang="ru-RU" dirty="0">
+              <a:latin typeface="+mj-lt"/>
+              <a:cs typeface="Mangal" panose="02040503050203030202" pitchFamily="18" charset="0"/>
+            </a:endParaRPr>
+          </a:p>
+        </p:txBody>
+      </p:sp>
+      <p:pic>
+        <p:nvPicPr>
+          <p:cNvPr id="7" name="Объект 6"/>
+          <p:cNvPicPr>
+            <a:picLocks noGrp="1" noChangeAspect="1"/>
+          </p:cNvPicPr>
+          <p:nvPr>
+            <p:ph sz="half" idx="2"/>
+          </p:nvPr>
+        </p:nvPicPr>
+        <p:blipFill>
+          <a:blip r:embed="rId2">
+            <a:extLst>
+              <a:ext uri="{28A0092B-C50C-407E-A947-70E740481C1C}">
+                <a14:useLocalDpi xmlns:a14="http://schemas.microsoft.com/office/drawing/2010/main" val="0"/>
+              </a:ext>
+            </a:extLst>
+          </a:blip>
+          <a:stretch>
+            <a:fillRect/>
+          </a:stretch>
+        </p:blipFill>
+        <p:spPr>
+          <a:xfrm>
+            <a:off x="323528" y="2996952"/>
+            <a:ext cx="4105149" cy="2731790"/>
+          </a:xfrm>
+        </p:spPr>
+      </p:pic>
+      <p:pic>
+        <p:nvPicPr>
+          <p:cNvPr id="8" name="Объект 7"/>
+          <p:cNvPicPr>
+            <a:picLocks noGrp="1" noChangeAspect="1"/>
+          </p:cNvPicPr>
+          <p:nvPr>
+            <p:ph sz="quarter" idx="4"/>
+          </p:nvPr>
+        </p:nvPicPr>
+        <p:blipFill>
+          <a:blip r:embed="rId3">
+            <a:extLst>
+              <a:ext uri="{28A0092B-C50C-407E-A947-70E740481C1C}">
+                <a14:useLocalDpi xmlns:a14="http://schemas.microsoft.com/office/drawing/2010/main" val="0"/>
+              </a:ext>
+            </a:extLst>
+          </a:blip>
+          <a:stretch>
+            <a:fillRect/>
+          </a:stretch>
+        </p:blipFill>
+        <p:spPr>
+          <a:xfrm>
+            <a:off x="4644008" y="2996952"/>
+            <a:ext cx="4229636" cy="2597043"/>
+          </a:xfrm>
+        </p:spPr>
+      </p:pic>
+    </p:spTree>
+    <p:extLst>
+      <p:ext uri="{BB962C8B-B14F-4D97-AF65-F5344CB8AC3E}">
+        <p14:creationId xmlns:p14="http://schemas.microsoft.com/office/powerpoint/2010/main" val="1681837343"/>
+      </p:ext>
+    </p:extLst>
+  </p:cSld>
+  <p:clrMapOvr>
+    <a:masterClrMapping/>
+  </p:clrMapOvr>
+  <mc:AlternateContent xmlns:mc="http://schemas.openxmlformats.org/markup-compatibility/2006">
+    <mc:Choice xmlns:p14="http://schemas.microsoft.com/office/powerpoint/2010/main" Requires="p14">
+      <p:transition spd="slow" p14:dur="3400">
+        <p14:reveal/>
+      </p:transition>
+    </mc:Choice>
+    <mc:Fallback>
+      <p:transition spd="slow">
+        <p:fade/>
+      </p:transition>
+    </mc:Fallback>
+  </mc:AlternateContent>
+  <p:timing>
+    <p:tnLst>
+      <p:par>
+        <p:cTn id="1" dur="indefinite" restart="never" nodeType="tmRoot"/>
+      </p:par>
+    </p:tnLst>
+  </p:timing>
+</p:sld>
+</file>
+
+<file path=ppt/slides/slide3.xml><?xml version="1.0" encoding="utf-8"?>
+<p:sld xmlns:a="http://schemas.openxmlformats.org/drawingml/2006/main" xmlns:r="http://schemas.openxmlformats.org/officeDocument/2006/relationships" xmlns:p="http://schemas.openxmlformats.org/presentationml/2006/main">
+  <p:cSld>
+    <p:spTree>
+      <p:nvGrpSpPr>
+        <p:cNvPr id="1" name=""/>
+        <p:cNvGrpSpPr/>
+        <p:nvPr/>
+      </p:nvGrpSpPr>
+      <p:grpSpPr>
+        <a:xfrm>
+          <a:off x="0" y="0"/>
+          <a:ext cx="0" cy="0"/>
+          <a:chOff x="0" y="0"/>
+          <a:chExt cx="0" cy="0"/>
+        </a:xfrm>
+      </p:grpSpPr>
+      <p:sp>
+        <p:nvSpPr>
+          <p:cNvPr id="2" name="Заголовок 1"/>
+          <p:cNvSpPr>
+            <a:spLocks noGrp="1"/>
+          </p:cNvSpPr>
+          <p:nvPr>
+            <p:ph type="title"/>
+          </p:nvPr>
+        </p:nvSpPr>
+        <p:spPr>
+          <a:xfrm>
+            <a:off x="395536" y="2708920"/>
+            <a:ext cx="8229600" cy="1252728"/>
+          </a:xfrm>
+        </p:spPr>
+        <p:txBody>
+          <a:bodyPr>
+            <a:noAutofit/>
+          </a:bodyPr>
+          <a:lstStyle/>
+          <a:p>
+            <a:pPr algn="ctr"/>
+            <a:r>
+              <a:rPr lang="ru-RU" sz="3200" dirty="0" smtClean="0">
+                <a:solidFill>
+                  <a:schemeClr val="accent6"/>
+                </a:solidFill>
+              </a:rPr>
+              <a:t>Так почему бы не </a:t>
+            </a:r>
+            <a:r>
+              <a:rPr lang="ru-RU" sz="3200" dirty="0" err="1" smtClean="0">
+                <a:solidFill>
+                  <a:schemeClr val="accent6"/>
+                </a:solidFill>
+              </a:rPr>
+              <a:t>соеденить</a:t>
+            </a:r>
+            <a:r>
+              <a:rPr lang="ru-RU" sz="3200" dirty="0" smtClean="0">
+                <a:solidFill>
+                  <a:schemeClr val="accent6"/>
+                </a:solidFill>
+              </a:rPr>
+              <a:t> эти две вещи, и создать что-то подобное для ПК?</a:t>
+            </a:r>
+            <a:endParaRPr lang="ru-RU" sz="3200" dirty="0">
+              <a:solidFill>
+                <a:schemeClr val="accent6"/>
+              </a:solidFill>
+            </a:endParaRPr>
+          </a:p>
+        </p:txBody>
+      </p:sp>
+      <p:pic>
+        <p:nvPicPr>
+          <p:cNvPr id="1026" name="Picture 2" descr="C:\Users\Admin\Documents\photo.jpg"/>
+          <p:cNvPicPr>
+            <a:picLocks noChangeAspect="1" noChangeArrowheads="1"/>
+          </p:cNvPicPr>
+          <p:nvPr/>
+        </p:nvPicPr>
+        <p:blipFill>
+          <a:blip r:embed="rId2" cstate="print">
+            <a:extLst>
+              <a:ext uri="{28A0092B-C50C-407E-A947-70E740481C1C}">
+                <a14:useLocalDpi xmlns:a14="http://schemas.microsoft.com/office/drawing/2010/main" val="0"/>
+              </a:ext>
+            </a:extLst>
+          </a:blip>
+          <a:srcRect/>
+          <a:stretch>
+            <a:fillRect/>
+          </a:stretch>
+        </p:blipFill>
+        <p:spPr bwMode="auto">
+          <a:xfrm>
+            <a:off x="942052" y="4581128"/>
+            <a:ext cx="2278863" cy="2278863"/>
+          </a:xfrm>
+          <a:prstGeom prst="rect">
+            <a:avLst/>
+          </a:prstGeom>
+          <a:noFill/>
+          <a:extLst>
+            <a:ext uri="{909E8E84-426E-40DD-AFC4-6F175D3DCCD1}">
+              <a14:hiddenFill xmlns:a14="http://schemas.microsoft.com/office/drawing/2010/main">
+                <a:solidFill>
+                  <a:srgbClr val="FFFFFF"/>
+                </a:solidFill>
+              </a14:hiddenFill>
+            </a:ext>
+          </a:extLst>
+        </p:spPr>
+      </p:pic>
+      <p:sp>
+        <p:nvSpPr>
+          <p:cNvPr id="5" name="Скругленная прямоугольная выноска 4"/>
+          <p:cNvSpPr/>
+          <p:nvPr/>
+        </p:nvSpPr>
+        <p:spPr>
+          <a:xfrm>
+            <a:off x="3220915" y="4365670"/>
+            <a:ext cx="2664296" cy="1152128"/>
+          </a:xfrm>
+          <a:prstGeom prst="wedgeRoundRectCallout">
+            <a:avLst>
+              <a:gd name="adj1" fmla="val -55312"/>
+              <a:gd name="adj2" fmla="val 86550"/>
+              <a:gd name="adj3" fmla="val 16667"/>
+            </a:avLst>
+          </a:prstGeom>
+        </p:spPr>
+        <p:style>
+          <a:lnRef idx="2">
+            <a:schemeClr val="accent1">
+              <a:shade val="50000"/>
+            </a:schemeClr>
+          </a:lnRef>
+          <a:fillRef idx="1">
+            <a:schemeClr val="accent1"/>
+          </a:fillRef>
+          <a:effectRef idx="0">
+            <a:schemeClr val="accent1"/>
+          </a:effectRef>
+          <a:fontRef idx="minor">
+            <a:schemeClr val="lt1"/>
+          </a:fontRef>
+        </p:style>
+        <p:txBody>
+          <a:bodyPr rtlCol="0" anchor="ctr"/>
+          <a:lstStyle/>
+          <a:p>
+            <a:pPr algn="ctr"/>
+            <a:r>
+              <a:rPr lang="ru-RU" dirty="0" smtClean="0"/>
+              <a:t>Жаль нет такой штуковины для компьютеров, которая будет мне помогать…</a:t>
+            </a:r>
+            <a:endParaRPr lang="ru-RU" dirty="0"/>
+          </a:p>
+        </p:txBody>
+      </p:sp>
+    </p:spTree>
+    <p:extLst>
+      <p:ext uri="{BB962C8B-B14F-4D97-AF65-F5344CB8AC3E}">
+        <p14:creationId xmlns:p14="http://schemas.microsoft.com/office/powerpoint/2010/main" val="3415817418"/>
+      </p:ext>
+    </p:extLst>
+  </p:cSld>
+  <p:clrMapOvr>
+    <a:masterClrMapping/>
+  </p:clrMapOvr>
+  <mc:AlternateContent xmlns:mc="http://schemas.openxmlformats.org/markup-compatibility/2006">
+    <mc:Choice xmlns:p14="http://schemas.microsoft.com/office/powerpoint/2010/main" Requires="p14">
+      <p:transition spd="slow" p14:dur="3400">
+        <p14:reveal/>
+      </p:transition>
+    </mc:Choice>
+    <mc:Fallback>
+      <p:transition spd="slow">
+        <p:fade/>
+      </p:transition>
+    </mc:Fallback>
+  </mc:AlternateContent>
+  <p:timing>
+    <p:tnLst>
+      <p:par>
+        <p:cTn id="1" dur="indefinite" restart="never" nodeType="tmRoot"/>
+      </p:par>
+    </p:tnLst>
+  </p:timing>
+</p:sld>
+</file>
+
+<file path=ppt/slides/slide4.xml><?xml version="1.0" encoding="utf-8"?>
 <p:sld xmlns:a="http://schemas.openxmlformats.org/drawingml/2006/main" xmlns:r="http://schemas.openxmlformats.org/officeDocument/2006/relationships" xmlns:p="http://schemas.openxmlformats.org/presentationml/2006/main">
   <p:cSld>
     <p:spTree>
@@ -3988,10 +4542,29 @@
   <p:clrMapOvr>
     <a:masterClrMapping/>
   </p:clrMapOvr>
+  <mc:AlternateContent xmlns:mc="http://schemas.openxmlformats.org/markup-compatibility/2006">
+    <mc:Choice xmlns:p14="http://schemas.microsoft.com/office/powerpoint/2010/main" Requires="p14">
+      <p:transition spd="slow" p14:dur="3400">
+        <p14:reveal/>
+      </p:transition>
+    </mc:Choice>
+    <mc:Fallback>
+      <p:transition spd="slow">
+        <p:fade/>
+      </p:transition>
+    </mc:Fallback>
+  </mc:AlternateContent>
+  <p:timing>
+    <p:tnLst>
+      <p:par>
+        <p:cTn id="1" dur="indefinite" restart="never" nodeType="tmRoot"/>
+      </p:par>
+    </p:tnLst>
+  </p:timing>
 </p:sld>
 </file>
 
-<file path=ppt/slides/slide3.xml><?xml version="1.0" encoding="utf-8"?>
+<file path=ppt/slides/slide5.xml><?xml version="1.0" encoding="utf-8"?>
 <p:sld xmlns:a="http://schemas.openxmlformats.org/drawingml/2006/main" xmlns:r="http://schemas.openxmlformats.org/officeDocument/2006/relationships" xmlns:p="http://schemas.openxmlformats.org/presentationml/2006/main">
   <p:cSld>
     <p:spTree>
@@ -4111,10 +4684,29 @@
   <p:clrMapOvr>
     <a:masterClrMapping/>
   </p:clrMapOvr>
+  <mc:AlternateContent xmlns:mc="http://schemas.openxmlformats.org/markup-compatibility/2006">
+    <mc:Choice xmlns:p14="http://schemas.microsoft.com/office/powerpoint/2010/main" Requires="p14">
+      <p:transition spd="slow" p14:dur="3400">
+        <p14:reveal/>
+      </p:transition>
+    </mc:Choice>
+    <mc:Fallback>
+      <p:transition spd="slow">
+        <p:fade/>
+      </p:transition>
+    </mc:Fallback>
+  </mc:AlternateContent>
+  <p:timing>
+    <p:tnLst>
+      <p:par>
+        <p:cTn id="1" dur="indefinite" restart="never" nodeType="tmRoot"/>
+      </p:par>
+    </p:tnLst>
+  </p:timing>
 </p:sld>
 </file>
 
-<file path=ppt/slides/slide4.xml><?xml version="1.0" encoding="utf-8"?>
+<file path=ppt/slides/slide6.xml><?xml version="1.0" encoding="utf-8"?>
 <p:sld xmlns:a="http://schemas.openxmlformats.org/drawingml/2006/main" xmlns:r="http://schemas.openxmlformats.org/officeDocument/2006/relationships" xmlns:p="http://schemas.openxmlformats.org/presentationml/2006/main">
   <p:cSld>
     <p:spTree>
@@ -4382,6 +4974,162 @@
   <p:clrMapOvr>
     <a:masterClrMapping/>
   </p:clrMapOvr>
+  <mc:AlternateContent xmlns:mc="http://schemas.openxmlformats.org/markup-compatibility/2006">
+    <mc:Choice xmlns:p14="http://schemas.microsoft.com/office/powerpoint/2010/main" Requires="p14">
+      <p:transition spd="slow" p14:dur="3400">
+        <p14:reveal/>
+      </p:transition>
+    </mc:Choice>
+    <mc:Fallback>
+      <p:transition spd="slow">
+        <p:fade/>
+      </p:transition>
+    </mc:Fallback>
+  </mc:AlternateContent>
+  <p:timing>
+    <p:tnLst>
+      <p:par>
+        <p:cTn id="1" dur="indefinite" restart="never" nodeType="tmRoot"/>
+      </p:par>
+    </p:tnLst>
+  </p:timing>
+</p:sld>
+</file>
+
+<file path=ppt/slides/slide7.xml><?xml version="1.0" encoding="utf-8"?>
+<p:sld xmlns:a="http://schemas.openxmlformats.org/drawingml/2006/main" xmlns:r="http://schemas.openxmlformats.org/officeDocument/2006/relationships" xmlns:p="http://schemas.openxmlformats.org/presentationml/2006/main">
+  <p:cSld>
+    <p:spTree>
+      <p:nvGrpSpPr>
+        <p:cNvPr id="1" name=""/>
+        <p:cNvGrpSpPr/>
+        <p:nvPr/>
+      </p:nvGrpSpPr>
+      <p:grpSpPr>
+        <a:xfrm>
+          <a:off x="0" y="0"/>
+          <a:ext cx="0" cy="0"/>
+          <a:chOff x="0" y="0"/>
+          <a:chExt cx="0" cy="0"/>
+        </a:xfrm>
+      </p:grpSpPr>
+      <p:pic>
+        <p:nvPicPr>
+          <p:cNvPr id="2050" name="Picture 2" descr="C:\Users\Admin\Documents\rarity_by_redpandapony-d5qe1v5.png"/>
+          <p:cNvPicPr>
+            <a:picLocks noChangeAspect="1" noChangeArrowheads="1"/>
+          </p:cNvPicPr>
+          <p:nvPr/>
+        </p:nvPicPr>
+        <p:blipFill>
+          <a:blip r:embed="rId2" cstate="print">
+            <a:extLst>
+              <a:ext uri="{28A0092B-C50C-407E-A947-70E740481C1C}">
+                <a14:useLocalDpi xmlns:a14="http://schemas.microsoft.com/office/drawing/2010/main" val="0"/>
+              </a:ext>
+            </a:extLst>
+          </a:blip>
+          <a:srcRect/>
+          <a:stretch>
+            <a:fillRect/>
+          </a:stretch>
+        </p:blipFill>
+        <p:spPr bwMode="auto">
+          <a:xfrm>
+            <a:off x="5508104" y="3106960"/>
+            <a:ext cx="2376264" cy="2666445"/>
+          </a:xfrm>
+          <a:prstGeom prst="rect">
+            <a:avLst/>
+          </a:prstGeom>
+          <a:noFill/>
+          <a:extLst>
+            <a:ext uri="{909E8E84-426E-40DD-AFC4-6F175D3DCCD1}">
+              <a14:hiddenFill xmlns:a14="http://schemas.microsoft.com/office/drawing/2010/main">
+                <a:solidFill>
+                  <a:srgbClr val="FFFFFF"/>
+                </a:solidFill>
+              </a14:hiddenFill>
+            </a:ext>
+          </a:extLst>
+        </p:spPr>
+      </p:pic>
+      <p:sp>
+        <p:nvSpPr>
+          <p:cNvPr id="2" name="Овальная выноска 1"/>
+          <p:cNvSpPr/>
+          <p:nvPr/>
+        </p:nvSpPr>
+        <p:spPr>
+          <a:xfrm>
+            <a:off x="2051720" y="2206860"/>
+            <a:ext cx="3312368" cy="1800200"/>
+          </a:xfrm>
+          <a:prstGeom prst="wedgeEllipseCallout">
+            <a:avLst>
+              <a:gd name="adj1" fmla="val 42744"/>
+              <a:gd name="adj2" fmla="val 62500"/>
+            </a:avLst>
+          </a:prstGeom>
+        </p:spPr>
+        <p:style>
+          <a:lnRef idx="2">
+            <a:schemeClr val="accent1">
+              <a:shade val="50000"/>
+            </a:schemeClr>
+          </a:lnRef>
+          <a:fillRef idx="1">
+            <a:schemeClr val="accent1"/>
+          </a:fillRef>
+          <a:effectRef idx="0">
+            <a:schemeClr val="accent1"/>
+          </a:effectRef>
+          <a:fontRef idx="minor">
+            <a:schemeClr val="lt1"/>
+          </a:fontRef>
+        </p:style>
+        <p:txBody>
+          <a:bodyPr rtlCol="0" anchor="ctr"/>
+          <a:lstStyle/>
+          <a:p>
+            <a:pPr algn="ctr"/>
+            <a:r>
+              <a:rPr lang="ru-RU" sz="2400" dirty="0" smtClean="0"/>
+              <a:t>Полностью бесплатно!</a:t>
+            </a:r>
+            <a:endParaRPr lang="ru-RU" sz="2400" dirty="0"/>
+          </a:p>
+        </p:txBody>
+      </p:sp>
+    </p:spTree>
+    <p:extLst>
+      <p:ext uri="{BB962C8B-B14F-4D97-AF65-F5344CB8AC3E}">
+        <p14:creationId xmlns:p14="http://schemas.microsoft.com/office/powerpoint/2010/main" val="3396164256"/>
+      </p:ext>
+    </p:extLst>
+  </p:cSld>
+  <p:clrMapOvr>
+    <a:masterClrMapping/>
+  </p:clrMapOvr>
+  <mc:AlternateContent xmlns:mc="http://schemas.openxmlformats.org/markup-compatibility/2006">
+    <mc:Choice xmlns:p14="http://schemas.microsoft.com/office/powerpoint/2010/main" Requires="p14">
+      <p:transition spd="slow" p14:dur="3400">
+        <p14:reveal/>
+      </p:transition>
+    </mc:Choice>
+    <mc:Fallback>
+      <p:transition spd="slow">
+        <p:fade/>
+      </p:transition>
+    </mc:Fallback>
+  </mc:AlternateContent>
+  <p:timing>
+    <p:tnLst>
+      <p:par>
+        <p:cTn id="1" dur="indefinite" restart="never" nodeType="tmRoot"/>
+      </p:par>
+    </p:tnLst>
+  </p:timing>
 </p:sld>
 </file>
 
